--- a/Fly Big/Roadmap.pptx
+++ b/Fly Big/Roadmap.pptx
@@ -2573,16 +2573,34 @@
     </dgm:pt>
     <dgm:pt modelId="{C6D5EA8A-11BE-CE48-9178-F17991ED0C1C}">
       <dgm:prSet phldrT="[Text]" custT="1"/>
-      <dgm:spPr/>
+      <dgm:spPr>
+        <a:solidFill>
+          <a:srgbClr val="EBEC02">
+            <a:alpha val="21000"/>
+          </a:srgbClr>
+        </a:solidFill>
+      </dgm:spPr>
       <dgm:t>
         <a:bodyPr/>
         <a:lstStyle/>
         <a:p>
           <a:r>
-            <a:rPr lang="en-US" sz="2200" dirty="0" smtClean="0"/>
+            <a:rPr lang="en-US" sz="2200" dirty="0" smtClean="0">
+              <a:solidFill>
+                <a:schemeClr val="accent6">
+                  <a:lumMod val="75000"/>
+                </a:schemeClr>
+              </a:solidFill>
+            </a:rPr>
             <a:t>Data Science Lab</a:t>
           </a:r>
-          <a:endParaRPr lang="en-US" sz="2200" dirty="0"/>
+          <a:endParaRPr lang="en-US" sz="2200" dirty="0">
+            <a:solidFill>
+              <a:schemeClr val="accent6">
+                <a:lumMod val="75000"/>
+              </a:schemeClr>
+            </a:solidFill>
+          </a:endParaRPr>
         </a:p>
       </dgm:t>
     </dgm:pt>
@@ -2995,7 +3013,7 @@
   <dgm:whole/>
   <dgm:extLst>
     <a:ext uri="http://schemas.microsoft.com/office/drawing/2008/diagram">
-      <dsp:dataModelExt xmlns:dsp="http://schemas.microsoft.com/office/drawing/2008/diagram" relId="rId6" minVer="http://schemas.openxmlformats.org/drawingml/2006/diagram"/>
+      <dsp:dataModelExt xmlns:dsp="http://schemas.microsoft.com/office/drawing/2008/diagram" relId="rId7" minVer="http://schemas.openxmlformats.org/drawingml/2006/diagram"/>
     </a:ext>
   </dgm:extLst>
 </dgm:dataModel>
@@ -3763,41 +3781,11 @@
         <a:prstGeom prst="chevron">
           <a:avLst/>
         </a:prstGeom>
-        <a:gradFill rotWithShape="0">
-          <a:gsLst>
-            <a:gs pos="0">
-              <a:schemeClr val="accent1">
-                <a:hueOff val="0"/>
-                <a:satOff val="0"/>
-                <a:lumOff val="0"/>
-                <a:alphaOff val="0"/>
-                <a:shade val="51000"/>
-                <a:satMod val="130000"/>
-              </a:schemeClr>
-            </a:gs>
-            <a:gs pos="80000">
-              <a:schemeClr val="accent1">
-                <a:hueOff val="0"/>
-                <a:satOff val="0"/>
-                <a:lumOff val="0"/>
-                <a:alphaOff val="0"/>
-                <a:shade val="93000"/>
-                <a:satMod val="130000"/>
-              </a:schemeClr>
-            </a:gs>
-            <a:gs pos="100000">
-              <a:schemeClr val="accent1">
-                <a:hueOff val="0"/>
-                <a:satOff val="0"/>
-                <a:lumOff val="0"/>
-                <a:alphaOff val="0"/>
-                <a:shade val="94000"/>
-                <a:satMod val="135000"/>
-              </a:schemeClr>
-            </a:gs>
-          </a:gsLst>
-          <a:lin ang="16200000" scaled="0"/>
-        </a:gradFill>
+        <a:solidFill>
+          <a:srgbClr val="EBEC02">
+            <a:alpha val="21000"/>
+          </a:srgbClr>
+        </a:solidFill>
         <a:ln>
           <a:noFill/>
         </a:ln>
@@ -3841,10 +3829,22 @@
             </a:spcAft>
           </a:pPr>
           <a:r>
-            <a:rPr lang="en-US" sz="2200" kern="1200" dirty="0" smtClean="0"/>
+            <a:rPr lang="en-US" sz="2200" kern="1200" dirty="0" smtClean="0">
+              <a:solidFill>
+                <a:schemeClr val="accent6">
+                  <a:lumMod val="75000"/>
+                </a:schemeClr>
+              </a:solidFill>
+            </a:rPr>
             <a:t>Data Science Lab</a:t>
           </a:r>
-          <a:endParaRPr lang="en-US" sz="2200" kern="1200" dirty="0"/>
+          <a:endParaRPr lang="en-US" sz="2200" kern="1200" dirty="0">
+            <a:solidFill>
+              <a:schemeClr val="accent6">
+                <a:lumMod val="75000"/>
+              </a:schemeClr>
+            </a:solidFill>
+          </a:endParaRPr>
         </a:p>
       </dsp:txBody>
       <dsp:txXfrm>
@@ -8321,46 +8321,6 @@
               <a:tabLst/>
               <a:defRPr/>
             </a:pPr>
-            <a:endParaRPr lang="en-US" sz="4000" dirty="0" smtClean="0"/>
-          </a:p>
-          <a:p>
-            <a:pPr marL="0" marR="0" indent="0" algn="l" defTabSz="914400" rtl="0" eaLnBrk="1" fontAlgn="auto" latinLnBrk="0" hangingPunct="1">
-              <a:lnSpc>
-                <a:spcPct val="95000"/>
-              </a:lnSpc>
-              <a:spcBef>
-                <a:spcPts val="400"/>
-              </a:spcBef>
-              <a:spcAft>
-                <a:spcPts val="0"/>
-              </a:spcAft>
-              <a:buClrTx/>
-              <a:buSzTx/>
-              <a:buFont typeface="Arial" panose="020B0604020202020204" pitchFamily="34" charset="0"/>
-              <a:buNone/>
-              <a:tabLst/>
-              <a:defRPr/>
-            </a:pPr>
-            <a:endParaRPr lang="en-US" sz="4000" dirty="0" smtClean="0"/>
-          </a:p>
-          <a:p>
-            <a:pPr marL="0" marR="0" indent="0" algn="l" defTabSz="914400" rtl="0" eaLnBrk="1" fontAlgn="auto" latinLnBrk="0" hangingPunct="1">
-              <a:lnSpc>
-                <a:spcPct val="95000"/>
-              </a:lnSpc>
-              <a:spcBef>
-                <a:spcPts val="400"/>
-              </a:spcBef>
-              <a:spcAft>
-                <a:spcPts val="0"/>
-              </a:spcAft>
-              <a:buClrTx/>
-              <a:buSzTx/>
-              <a:buFont typeface="Arial" panose="020B0604020202020204" pitchFamily="34" charset="0"/>
-              <a:buNone/>
-              <a:tabLst/>
-              <a:defRPr/>
-            </a:pPr>
             <a:r>
               <a:rPr lang="en-US" sz="4000" dirty="0" smtClean="0"/>
               <a:t>GM everyone </a:t>
@@ -8558,6 +8518,90 @@
 </p:notes>
 </file>
 
+<file path=ppt/notesSlides/notesSlide11.xml><?xml version="1.0" encoding="utf-8"?>
+<p:notes xmlns:a="http://schemas.openxmlformats.org/drawingml/2006/main" xmlns:r="http://schemas.openxmlformats.org/officeDocument/2006/relationships" xmlns:p="http://schemas.openxmlformats.org/presentationml/2006/main">
+  <p:cSld>
+    <p:spTree>
+      <p:nvGrpSpPr>
+        <p:cNvPr id="1" name=""/>
+        <p:cNvGrpSpPr/>
+        <p:nvPr/>
+      </p:nvGrpSpPr>
+      <p:grpSpPr>
+        <a:xfrm>
+          <a:off x="0" y="0"/>
+          <a:ext cx="0" cy="0"/>
+          <a:chOff x="0" y="0"/>
+          <a:chExt cx="0" cy="0"/>
+        </a:xfrm>
+      </p:grpSpPr>
+      <p:sp>
+        <p:nvSpPr>
+          <p:cNvPr id="2" name="Slide Image Placeholder 1"/>
+          <p:cNvSpPr>
+            <a:spLocks noGrp="1" noRot="1" noChangeAspect="1"/>
+          </p:cNvSpPr>
+          <p:nvPr>
+            <p:ph type="sldImg"/>
+          </p:nvPr>
+        </p:nvSpPr>
+        <p:spPr/>
+      </p:sp>
+      <p:sp>
+        <p:nvSpPr>
+          <p:cNvPr id="3" name="Notes Placeholder 2"/>
+          <p:cNvSpPr>
+            <a:spLocks noGrp="1"/>
+          </p:cNvSpPr>
+          <p:nvPr>
+            <p:ph type="body" idx="1"/>
+          </p:nvPr>
+        </p:nvSpPr>
+        <p:spPr/>
+        <p:txBody>
+          <a:bodyPr/>
+          <a:lstStyle/>
+          <a:p>
+            <a:endParaRPr lang="en-US" dirty="0"/>
+          </a:p>
+        </p:txBody>
+      </p:sp>
+      <p:sp>
+        <p:nvSpPr>
+          <p:cNvPr id="4" name="Slide Number Placeholder 3"/>
+          <p:cNvSpPr>
+            <a:spLocks noGrp="1"/>
+          </p:cNvSpPr>
+          <p:nvPr>
+            <p:ph type="sldNum" sz="quarter" idx="10"/>
+          </p:nvPr>
+        </p:nvSpPr>
+        <p:spPr/>
+        <p:txBody>
+          <a:bodyPr/>
+          <a:lstStyle/>
+          <a:p>
+            <a:fld id="{770372E8-387C-2648-A2EB-DF52FF43CDE3}" type="slidenum">
+              <a:rPr lang="en-US" smtClean="0"/>
+              <a:t>14</a:t>
+            </a:fld>
+            <a:endParaRPr lang="en-US"/>
+          </a:p>
+        </p:txBody>
+      </p:sp>
+    </p:spTree>
+    <p:extLst>
+      <p:ext uri="{BB962C8B-B14F-4D97-AF65-F5344CB8AC3E}">
+        <p14:creationId xmlns:p14="http://schemas.microsoft.com/office/powerpoint/2010/main" val="265237784"/>
+      </p:ext>
+    </p:extLst>
+  </p:cSld>
+  <p:clrMapOvr>
+    <a:masterClrMapping/>
+  </p:clrMapOvr>
+</p:notes>
+</file>
+
 <file path=ppt/notesSlides/notesSlide2.xml><?xml version="1.0" encoding="utf-8"?>
 <p:notes xmlns:a="http://schemas.openxmlformats.org/drawingml/2006/main" xmlns:r="http://schemas.openxmlformats.org/officeDocument/2006/relationships" xmlns:p="http://schemas.openxmlformats.org/presentationml/2006/main">
   <p:cSld>
@@ -8628,7 +8672,7 @@
             </a:r>
             <a:r>
               <a:rPr lang="en-US" sz="2400" baseline="0" dirty="0" smtClean="0"/>
-              <a:t> business and their requirements,</a:t>
+              <a:t> business and goals,</a:t>
             </a:r>
             <a:endParaRPr lang="en-US" sz="2400" baseline="0" dirty="0" smtClean="0"/>
           </a:p>
@@ -8654,7 +8698,7 @@
             </a:r>
             <a:r>
               <a:rPr lang="en-US" sz="2400" baseline="0" dirty="0" smtClean="0"/>
-              <a:t> </a:t>
+              <a:t> that could help overcome the challenges,</a:t>
             </a:r>
           </a:p>
           <a:p>
@@ -8674,7 +8718,7 @@
             </a:r>
             <a:r>
               <a:rPr lang="en-US" sz="2400" baseline="0" dirty="0" smtClean="0"/>
-              <a:t> about predicting flight delays as a service which could add a new revenue stream to </a:t>
+              <a:t> about predicting flight delays which can be sold as a service adding a new revenue stream to </a:t>
             </a:r>
             <a:r>
               <a:rPr lang="en-US" sz="2400" baseline="0" dirty="0" err="1" smtClean="0"/>
@@ -8829,6 +8873,71 @@
           <a:bodyPr/>
           <a:lstStyle/>
           <a:p>
+            <a:pPr marL="0" indent="0">
+              <a:buNone/>
+            </a:pPr>
+            <a:endParaRPr lang="en-GB" sz="2400" dirty="0" smtClean="0">
+              <a:latin typeface="Century Gothic" charset="0"/>
+            </a:endParaRPr>
+          </a:p>
+          <a:p>
+            <a:r>
+              <a:rPr lang="en-GB" sz="2400" dirty="0" err="1" smtClean="0">
+                <a:latin typeface="Century Gothic" charset="0"/>
+              </a:rPr>
+              <a:t>Skynet</a:t>
+            </a:r>
+            <a:r>
+              <a:rPr lang="en-GB" sz="2400" dirty="0" smtClean="0">
+                <a:latin typeface="Century Gothic" charset="0"/>
+              </a:rPr>
+              <a:t> wants to create an Analytical roadmap </a:t>
+            </a:r>
+            <a:r>
+              <a:rPr lang="en-GB" sz="2400" dirty="0" err="1" smtClean="0">
+                <a:latin typeface="Century Gothic" charset="0"/>
+              </a:rPr>
+              <a:t>inorde</a:t>
+            </a:r>
+            <a:r>
+              <a:rPr lang="en-GB" sz="2400" baseline="0" dirty="0" err="1" smtClean="0">
+                <a:latin typeface="Century Gothic" charset="0"/>
+              </a:rPr>
+              <a:t>r</a:t>
+            </a:r>
+            <a:r>
+              <a:rPr lang="en-GB" sz="2400" baseline="0" dirty="0" smtClean="0">
+                <a:latin typeface="Century Gothic" charset="0"/>
+              </a:rPr>
+              <a:t> to start the data discovery &amp; deploy the analytical </a:t>
+            </a:r>
+            <a:r>
+              <a:rPr lang="en-GB" sz="2400" baseline="0" dirty="0" err="1" smtClean="0">
+                <a:latin typeface="Century Gothic" charset="0"/>
+              </a:rPr>
+              <a:t>usecases</a:t>
+            </a:r>
+            <a:r>
+              <a:rPr lang="en-GB" sz="2400" baseline="0" dirty="0" smtClean="0">
+                <a:latin typeface="Century Gothic" charset="0"/>
+              </a:rPr>
+              <a:t>,</a:t>
+            </a:r>
+          </a:p>
+          <a:p>
+            <a:endParaRPr lang="en-GB" sz="2400" dirty="0" smtClean="0">
+              <a:latin typeface="Century Gothic" charset="0"/>
+            </a:endParaRPr>
+          </a:p>
+          <a:p>
+            <a:r>
+              <a:rPr lang="en-GB" sz="2400" dirty="0" smtClean="0">
+                <a:latin typeface="Century Gothic" charset="0"/>
+              </a:rPr>
+              <a:t>This helps them become data driven &amp; boost revenue by reducing operational costs &amp; identify new revenue streams.</a:t>
+            </a:r>
+          </a:p>
+          <a:p>
             <a:pPr marL="0" marR="0" indent="0" algn="l" defTabSz="914377" rtl="0" eaLnBrk="1" fontAlgn="auto" latinLnBrk="0" hangingPunct="1">
               <a:lnSpc>
                 <a:spcPct val="100000"/>
@@ -8846,11 +8955,149 @@
               <a:tabLst/>
               <a:defRPr/>
             </a:pPr>
+            <a:endParaRPr lang="en-GB" sz="2400" dirty="0" smtClean="0">
+              <a:latin typeface="Century Gothic" charset="0"/>
+            </a:endParaRPr>
+          </a:p>
+          <a:p>
+            <a:pPr marL="0" marR="0" indent="0" algn="l" defTabSz="914377" rtl="0" eaLnBrk="1" fontAlgn="auto" latinLnBrk="0" hangingPunct="1">
+              <a:lnSpc>
+                <a:spcPct val="100000"/>
+              </a:lnSpc>
+              <a:spcBef>
+                <a:spcPts val="0"/>
+              </a:spcBef>
+              <a:spcAft>
+                <a:spcPts val="0"/>
+              </a:spcAft>
+              <a:buClrTx/>
+              <a:buSzTx/>
+              <a:buFontTx/>
+              <a:buNone/>
+              <a:tabLst/>
+              <a:defRPr/>
+            </a:pPr>
+            <a:endParaRPr lang="en-GB" sz="1200" dirty="0" smtClean="0">
+              <a:latin typeface="Century Gothic" charset="0"/>
+            </a:endParaRPr>
+          </a:p>
+          <a:p>
+            <a:pPr marL="0" marR="0" indent="0" algn="l" defTabSz="914377" rtl="0" eaLnBrk="1" fontAlgn="auto" latinLnBrk="0" hangingPunct="1">
+              <a:lnSpc>
+                <a:spcPct val="100000"/>
+              </a:lnSpc>
+              <a:spcBef>
+                <a:spcPts val="0"/>
+              </a:spcBef>
+              <a:spcAft>
+                <a:spcPts val="0"/>
+              </a:spcAft>
+              <a:buClrTx/>
+              <a:buSzTx/>
+              <a:buFontTx/>
+              <a:buNone/>
+              <a:tabLst/>
+              <a:defRPr/>
+            </a:pPr>
+            <a:endParaRPr lang="en-GB" sz="1200" dirty="0" smtClean="0">
+              <a:latin typeface="Century Gothic" charset="0"/>
+            </a:endParaRPr>
+          </a:p>
+          <a:p>
+            <a:pPr marL="0" marR="0" indent="0" algn="l" defTabSz="914377" rtl="0" eaLnBrk="1" fontAlgn="auto" latinLnBrk="0" hangingPunct="1">
+              <a:lnSpc>
+                <a:spcPct val="100000"/>
+              </a:lnSpc>
+              <a:spcBef>
+                <a:spcPts val="0"/>
+              </a:spcBef>
+              <a:spcAft>
+                <a:spcPts val="0"/>
+              </a:spcAft>
+              <a:buClrTx/>
+              <a:buSzTx/>
+              <a:buFontTx/>
+              <a:buNone/>
+              <a:tabLst/>
+              <a:defRPr/>
+            </a:pPr>
+            <a:endParaRPr lang="en-GB" sz="1200" dirty="0" smtClean="0">
+              <a:latin typeface="Century Gothic" charset="0"/>
+            </a:endParaRPr>
+          </a:p>
+          <a:p>
+            <a:pPr marL="0" marR="0" indent="0" algn="l" defTabSz="914377" rtl="0" eaLnBrk="1" fontAlgn="auto" latinLnBrk="0" hangingPunct="1">
+              <a:lnSpc>
+                <a:spcPct val="100000"/>
+              </a:lnSpc>
+              <a:spcBef>
+                <a:spcPts val="0"/>
+              </a:spcBef>
+              <a:spcAft>
+                <a:spcPts val="0"/>
+              </a:spcAft>
+              <a:buClrTx/>
+              <a:buSzTx/>
+              <a:buFontTx/>
+              <a:buNone/>
+              <a:tabLst/>
+              <a:defRPr/>
+            </a:pPr>
+            <a:endParaRPr lang="en-GB" sz="1200" dirty="0" smtClean="0">
+              <a:latin typeface="Century Gothic" charset="0"/>
+            </a:endParaRPr>
+          </a:p>
+          <a:p>
+            <a:pPr marL="0" marR="0" indent="0" algn="l" defTabSz="914377" rtl="0" eaLnBrk="1" fontAlgn="auto" latinLnBrk="0" hangingPunct="1">
+              <a:lnSpc>
+                <a:spcPct val="100000"/>
+              </a:lnSpc>
+              <a:spcBef>
+                <a:spcPts val="0"/>
+              </a:spcBef>
+              <a:spcAft>
+                <a:spcPts val="0"/>
+              </a:spcAft>
+              <a:buClrTx/>
+              <a:buSzTx/>
+              <a:buFontTx/>
+              <a:buNone/>
+              <a:tabLst/>
+              <a:defRPr/>
+            </a:pPr>
+            <a:endParaRPr lang="en-GB" sz="1200" dirty="0" smtClean="0">
+              <a:latin typeface="Century Gothic" charset="0"/>
+            </a:endParaRPr>
+          </a:p>
+          <a:p>
+            <a:pPr marL="0" marR="0" indent="0" algn="l" defTabSz="914377" rtl="0" eaLnBrk="1" fontAlgn="auto" latinLnBrk="0" hangingPunct="1">
+              <a:lnSpc>
+                <a:spcPct val="100000"/>
+              </a:lnSpc>
+              <a:spcBef>
+                <a:spcPts val="0"/>
+              </a:spcBef>
+              <a:spcAft>
+                <a:spcPts val="0"/>
+              </a:spcAft>
+              <a:buClrTx/>
+              <a:buSzTx/>
+              <a:buFontTx/>
+              <a:buNone/>
+              <a:tabLst/>
+              <a:defRPr/>
+            </a:pPr>
             <a:r>
               <a:rPr lang="en-GB" sz="1200" dirty="0" smtClean="0">
                 <a:latin typeface="Century Gothic" charset="0"/>
               </a:rPr>
-              <a:t>The FAA published Federal flight regulation in  2010 requiring all airspace to have an  Automatic Dependent Surveillance – Broadcast (ADS-B). </a:t>
+              <a:t>The </a:t>
+            </a:r>
+            <a:r>
+              <a:rPr lang="en-GB" sz="1200" dirty="0" smtClean="0">
+                <a:latin typeface="Century Gothic" charset="0"/>
+              </a:rPr>
+              <a:t>FAA published Federal flight regulation in  2010 requiring all airspace to have an  Automatic Dependent Surveillance – Broadcast (ADS-B). </a:t>
             </a:r>
             <a:endParaRPr lang="en-GB" sz="1200" dirty="0" smtClean="0">
               <a:latin typeface="Century Gothic" charset="0"/>
@@ -9115,19 +9362,15 @@
             </a:pPr>
             <a:r>
               <a:rPr lang="en-US" sz="2400" dirty="0" smtClean="0"/>
-              <a:t>Identified &amp; developed</a:t>
-            </a:r>
-            <a:r>
-              <a:rPr lang="en-US" sz="2400" baseline="0" dirty="0" smtClean="0"/>
-              <a:t> </a:t>
+              <a:t>Tried to understand the </a:t>
+            </a:r>
+            <a:r>
+              <a:rPr lang="en-US" sz="2400" dirty="0" err="1" smtClean="0"/>
+              <a:t>busines</a:t>
             </a:r>
             <a:r>
               <a:rPr lang="en-US" sz="2400" dirty="0" smtClean="0"/>
-              <a:t>the use case</a:t>
-            </a:r>
-            <a:r>
-              <a:rPr lang="en-US" sz="2400" baseline="0" dirty="0" smtClean="0"/>
-              <a:t> details </a:t>
+              <a:t> problem </a:t>
             </a:r>
           </a:p>
           <a:p>
@@ -9141,36 +9384,16 @@
             <a:endParaRPr lang="en-US" sz="2400" dirty="0" smtClean="0"/>
           </a:p>
           <a:p>
-            <a:pPr marL="457189" marR="0" indent="-457189" algn="l" defTabSz="914377" rtl="0" eaLnBrk="1" fontAlgn="auto" latinLnBrk="0" hangingPunct="1">
-              <a:lnSpc>
-                <a:spcPct val="100000"/>
-              </a:lnSpc>
-              <a:spcBef>
-                <a:spcPts val="0"/>
-              </a:spcBef>
-              <a:spcAft>
-                <a:spcPts val="0"/>
-              </a:spcAft>
+            <a:pPr marL="457189" indent="-457189">
               <a:buClr>
                 <a:schemeClr val="accent1"/>
               </a:buClr>
-              <a:buSzTx/>
               <a:buFont typeface="+mj-lt"/>
               <a:buAutoNum type="arabicPeriod"/>
-              <a:tabLst/>
-              <a:defRPr/>
             </a:pPr>
             <a:r>
               <a:rPr lang="en-US" sz="2400" dirty="0" smtClean="0"/>
-              <a:t>Estimated</a:t>
-            </a:r>
-            <a:r>
-              <a:rPr lang="en-US" sz="2400" baseline="0" dirty="0" smtClean="0"/>
-              <a:t> ROI &amp; </a:t>
-            </a:r>
-            <a:r>
-              <a:rPr lang="en-US" sz="2400" dirty="0" smtClean="0"/>
-              <a:t>Developed</a:t>
+              <a:t>Identified &amp; developed</a:t>
             </a:r>
             <a:r>
               <a:rPr lang="en-US" sz="2400" baseline="0" dirty="0" smtClean="0"/>
@@ -9178,7 +9401,11 @@
             </a:r>
             <a:r>
               <a:rPr lang="en-US" sz="2400" dirty="0" smtClean="0"/>
-              <a:t>the business case</a:t>
+              <a:t>the use case</a:t>
+            </a:r>
+            <a:r>
+              <a:rPr lang="en-US" sz="2400" baseline="0" dirty="0" smtClean="0"/>
+              <a:t> details </a:t>
             </a:r>
           </a:p>
           <a:p>
@@ -9447,6 +9674,226 @@
               <a:tabLst/>
               <a:defRPr/>
             </a:pPr>
+            <a:endParaRPr lang="en-GB" sz="2400" dirty="0" smtClean="0"/>
+          </a:p>
+          <a:p>
+            <a:pPr marL="0" marR="0" indent="0" algn="l" defTabSz="914400" rtl="0" eaLnBrk="1" fontAlgn="auto" latinLnBrk="0" hangingPunct="1">
+              <a:lnSpc>
+                <a:spcPct val="100000"/>
+              </a:lnSpc>
+              <a:spcBef>
+                <a:spcPts val="0"/>
+              </a:spcBef>
+              <a:spcAft>
+                <a:spcPts val="0"/>
+              </a:spcAft>
+              <a:buClrTx/>
+              <a:buSzTx/>
+              <a:buFont typeface="Arial"/>
+              <a:buNone/>
+              <a:tabLst/>
+              <a:defRPr/>
+            </a:pPr>
+            <a:r>
+              <a:rPr lang="en-GB" sz="2400" baseline="0" dirty="0" smtClean="0"/>
+              <a:t>Currently they lack sufficient information as to which aircraft would be most beneficial to certify.</a:t>
+            </a:r>
+          </a:p>
+          <a:p>
+            <a:pPr marL="0" marR="0" indent="0" algn="l" defTabSz="914400" rtl="0" eaLnBrk="1" fontAlgn="auto" latinLnBrk="0" hangingPunct="1">
+              <a:lnSpc>
+                <a:spcPct val="100000"/>
+              </a:lnSpc>
+              <a:spcBef>
+                <a:spcPts val="0"/>
+              </a:spcBef>
+              <a:spcAft>
+                <a:spcPts val="0"/>
+              </a:spcAft>
+              <a:buClrTx/>
+              <a:buSzTx/>
+              <a:buFont typeface="Arial"/>
+              <a:buNone/>
+              <a:tabLst/>
+              <a:defRPr/>
+            </a:pPr>
+            <a:endParaRPr lang="en-GB" sz="2400" dirty="0" smtClean="0"/>
+          </a:p>
+          <a:p>
+            <a:pPr marL="0" marR="0" indent="0" algn="l" defTabSz="914400" rtl="0" eaLnBrk="1" fontAlgn="auto" latinLnBrk="0" hangingPunct="1">
+              <a:lnSpc>
+                <a:spcPct val="100000"/>
+              </a:lnSpc>
+              <a:spcBef>
+                <a:spcPts val="0"/>
+              </a:spcBef>
+              <a:spcAft>
+                <a:spcPts val="0"/>
+              </a:spcAft>
+              <a:buClrTx/>
+              <a:buSzTx/>
+              <a:buFont typeface="Arial"/>
+              <a:buNone/>
+              <a:tabLst/>
+              <a:defRPr/>
+            </a:pPr>
+            <a:r>
+              <a:rPr lang="en-GB" sz="2400" dirty="0" smtClean="0"/>
+              <a:t>They</a:t>
+            </a:r>
+            <a:r>
+              <a:rPr lang="en-GB" sz="2400" baseline="0" dirty="0" smtClean="0"/>
+              <a:t> desire to acquire the analytical capabilities to at any time retrieve information about certification and sort by relevance.</a:t>
+            </a:r>
+          </a:p>
+          <a:p>
+            <a:pPr marL="0" marR="0" indent="0" algn="l" defTabSz="914400" rtl="0" eaLnBrk="1" fontAlgn="auto" latinLnBrk="0" hangingPunct="1">
+              <a:lnSpc>
+                <a:spcPct val="100000"/>
+              </a:lnSpc>
+              <a:spcBef>
+                <a:spcPts val="0"/>
+              </a:spcBef>
+              <a:spcAft>
+                <a:spcPts val="0"/>
+              </a:spcAft>
+              <a:buClrTx/>
+              <a:buSzTx/>
+              <a:buFont typeface="Arial"/>
+              <a:buNone/>
+              <a:tabLst/>
+              <a:defRPr/>
+            </a:pPr>
+            <a:endParaRPr lang="en-GB" sz="2400" dirty="0" smtClean="0"/>
+          </a:p>
+          <a:p>
+            <a:pPr marL="0" marR="0" indent="0" algn="l" defTabSz="914400" rtl="0" eaLnBrk="1" fontAlgn="auto" latinLnBrk="0" hangingPunct="1">
+              <a:lnSpc>
+                <a:spcPct val="100000"/>
+              </a:lnSpc>
+              <a:spcBef>
+                <a:spcPts val="0"/>
+              </a:spcBef>
+              <a:spcAft>
+                <a:spcPts val="0"/>
+              </a:spcAft>
+              <a:buClrTx/>
+              <a:buSzTx/>
+              <a:buFont typeface="Arial"/>
+              <a:buNone/>
+              <a:tabLst/>
+              <a:defRPr/>
+            </a:pPr>
+            <a:r>
+              <a:rPr lang="en-GB" sz="2400" dirty="0" smtClean="0"/>
+              <a:t>The</a:t>
+            </a:r>
+            <a:r>
+              <a:rPr lang="en-GB" sz="2400" baseline="0" dirty="0" smtClean="0"/>
+              <a:t> possible data sources to look at are : </a:t>
+            </a:r>
+          </a:p>
+          <a:p>
+            <a:pPr marL="0" marR="0" indent="0" algn="l" defTabSz="914400" rtl="0" eaLnBrk="1" fontAlgn="auto" latinLnBrk="0" hangingPunct="1">
+              <a:lnSpc>
+                <a:spcPct val="100000"/>
+              </a:lnSpc>
+              <a:spcBef>
+                <a:spcPts val="0"/>
+              </a:spcBef>
+              <a:spcAft>
+                <a:spcPts val="0"/>
+              </a:spcAft>
+              <a:buClrTx/>
+              <a:buSzTx/>
+              <a:buFont typeface="Arial"/>
+              <a:buNone/>
+              <a:tabLst/>
+              <a:defRPr/>
+            </a:pPr>
+            <a:endParaRPr lang="en-GB" sz="2400" baseline="0" dirty="0" smtClean="0"/>
+          </a:p>
+          <a:p>
+            <a:pPr marL="0" marR="0" indent="0" algn="l" defTabSz="914400" rtl="0" eaLnBrk="1" fontAlgn="auto" latinLnBrk="0" hangingPunct="1">
+              <a:lnSpc>
+                <a:spcPct val="100000"/>
+              </a:lnSpc>
+              <a:spcBef>
+                <a:spcPts val="0"/>
+              </a:spcBef>
+              <a:spcAft>
+                <a:spcPts val="0"/>
+              </a:spcAft>
+              <a:buClrTx/>
+              <a:buSzTx/>
+              <a:buFont typeface="Arial"/>
+              <a:buNone/>
+              <a:tabLst/>
+              <a:defRPr/>
+            </a:pPr>
+            <a:r>
+              <a:rPr lang="en-GB" sz="2400" baseline="0" dirty="0" smtClean="0"/>
+              <a:t>And to perform exploratory analysis to meet the objective</a:t>
+            </a:r>
+          </a:p>
+          <a:p>
+            <a:pPr marL="0" marR="0" indent="0" algn="l" defTabSz="914400" rtl="0" eaLnBrk="1" fontAlgn="auto" latinLnBrk="0" hangingPunct="1">
+              <a:lnSpc>
+                <a:spcPct val="100000"/>
+              </a:lnSpc>
+              <a:spcBef>
+                <a:spcPts val="0"/>
+              </a:spcBef>
+              <a:spcAft>
+                <a:spcPts val="0"/>
+              </a:spcAft>
+              <a:buClrTx/>
+              <a:buSzTx/>
+              <a:buFont typeface="Arial"/>
+              <a:buNone/>
+              <a:tabLst/>
+              <a:defRPr/>
+            </a:pPr>
+            <a:endParaRPr lang="en-GB" sz="2400" baseline="0" dirty="0" smtClean="0"/>
+          </a:p>
+          <a:p>
+            <a:pPr marL="0" marR="0" indent="0" algn="l" defTabSz="914400" rtl="0" eaLnBrk="1" fontAlgn="auto" latinLnBrk="0" hangingPunct="1">
+              <a:lnSpc>
+                <a:spcPct val="100000"/>
+              </a:lnSpc>
+              <a:spcBef>
+                <a:spcPts val="0"/>
+              </a:spcBef>
+              <a:spcAft>
+                <a:spcPts val="0"/>
+              </a:spcAft>
+              <a:buClrTx/>
+              <a:buSzTx/>
+              <a:buFont typeface="Arial"/>
+              <a:buNone/>
+              <a:tabLst/>
+              <a:defRPr/>
+            </a:pPr>
+            <a:endParaRPr lang="en-GB" sz="1200" dirty="0" smtClean="0"/>
+          </a:p>
+          <a:p>
+            <a:pPr marL="0" marR="0" indent="0" algn="l" defTabSz="914400" rtl="0" eaLnBrk="1" fontAlgn="auto" latinLnBrk="0" hangingPunct="1">
+              <a:lnSpc>
+                <a:spcPct val="100000"/>
+              </a:lnSpc>
+              <a:spcBef>
+                <a:spcPts val="0"/>
+              </a:spcBef>
+              <a:spcAft>
+                <a:spcPts val="0"/>
+              </a:spcAft>
+              <a:buClrTx/>
+              <a:buSzTx/>
+              <a:buFont typeface="Arial"/>
+              <a:buNone/>
+              <a:tabLst/>
+              <a:defRPr/>
+            </a:pPr>
             <a:endParaRPr lang="en-GB" sz="1200" dirty="0" smtClean="0"/>
           </a:p>
           <a:p>
@@ -9833,51 +10280,51 @@
           <a:lstStyle/>
           <a:p>
             <a:r>
-              <a:rPr lang="en-US" dirty="0" smtClean="0"/>
+              <a:rPr lang="en-US" sz="2400" dirty="0" smtClean="0"/>
               <a:t>Optimize business</a:t>
             </a:r>
             <a:r>
-              <a:rPr lang="en-US" baseline="0" dirty="0" smtClean="0"/>
+              <a:rPr lang="en-US" sz="2400" baseline="0" dirty="0" smtClean="0"/>
               <a:t> operation cost </a:t>
             </a:r>
           </a:p>
           <a:p>
-            <a:endParaRPr lang="en-US" dirty="0" smtClean="0"/>
-          </a:p>
-          <a:p>
-            <a:r>
-              <a:rPr lang="en-US" dirty="0" smtClean="0"/>
+            <a:endParaRPr lang="en-US" sz="2400" dirty="0" smtClean="0"/>
+          </a:p>
+          <a:p>
+            <a:r>
+              <a:rPr lang="en-US" sz="2400" dirty="0" smtClean="0"/>
               <a:t>Cost of delays in US $32.9B   ($12,5B)</a:t>
             </a:r>
           </a:p>
           <a:p>
             <a:r>
-              <a:rPr lang="en-US" dirty="0" smtClean="0"/>
+              <a:rPr lang="en-US" sz="2400" dirty="0" smtClean="0"/>
               <a:t>$8.3B cost to Airlines</a:t>
             </a:r>
           </a:p>
           <a:p>
             <a:r>
-              <a:rPr lang="en-US" dirty="0" smtClean="0"/>
+              <a:rPr lang="en-US" sz="2400" dirty="0" smtClean="0"/>
               <a:t>$16,7B cost to</a:t>
             </a:r>
             <a:r>
-              <a:rPr lang="en-US" baseline="0" dirty="0" smtClean="0"/>
+              <a:rPr lang="en-US" sz="2400" baseline="0" dirty="0" smtClean="0"/>
               <a:t> Passengers</a:t>
             </a:r>
           </a:p>
           <a:p>
             <a:r>
-              <a:rPr lang="en-US" baseline="0" dirty="0" smtClean="0"/>
+              <a:rPr lang="en-US" sz="2400" baseline="0" dirty="0" smtClean="0"/>
               <a:t>$3,9B Cost from lost demand</a:t>
             </a:r>
           </a:p>
           <a:p>
             <a:r>
-              <a:rPr lang="en-US" baseline="0" dirty="0" smtClean="0"/>
+              <a:rPr lang="en-US" sz="2400" baseline="0" dirty="0" smtClean="0"/>
               <a:t>$4B GDP impact</a:t>
             </a:r>
-            <a:endParaRPr lang="en-US" dirty="0"/>
+            <a:endParaRPr lang="en-US" sz="2400" dirty="0"/>
           </a:p>
         </p:txBody>
       </p:sp>
@@ -32181,7 +32628,7 @@
             </a:pPr>
             <a:r>
               <a:rPr lang="en-US" sz="1500" b="0" dirty="0" smtClean="0"/>
-              <a:t>(Ashish </a:t>
+              <a:t>(FLY BIG Team: Ashish </a:t>
             </a:r>
             <a:r>
               <a:rPr lang="en-US" sz="1500" b="0" dirty="0"/>
@@ -36637,36 +37084,6 @@
           </a:p>
         </p:txBody>
       </p:sp>
-      <p:sp>
-        <p:nvSpPr>
-          <p:cNvPr id="4" name="Date Placeholder 3"/>
-          <p:cNvSpPr>
-            <a:spLocks noGrp="1"/>
-          </p:cNvSpPr>
-          <p:nvPr>
-            <p:ph type="dt" sz="half" idx="4294967295"/>
-          </p:nvPr>
-        </p:nvSpPr>
-        <p:spPr>
-          <a:xfrm>
-            <a:off x="603956" y="6555796"/>
-            <a:ext cx="2245077" cy="143629"/>
-          </a:xfrm>
-          <a:prstGeom prst="rect">
-            <a:avLst/>
-          </a:prstGeom>
-        </p:spPr>
-        <p:txBody>
-          <a:bodyPr lIns="121917" tIns="60958" rIns="121917" bIns="60958"/>
-          <a:lstStyle/>
-          <a:p>
-            <a:r>
-              <a:rPr lang="en-US" dirty="0" smtClean="0"/>
-              <a:t>© 2017 Teradata</a:t>
-            </a:r>
-          </a:p>
-        </p:txBody>
-      </p:sp>
       <p:graphicFrame>
         <p:nvGraphicFramePr>
           <p:cNvPr id="2" name="Diagram 1"/>
@@ -36674,18 +37091,18 @@
           <p:nvPr>
             <p:extLst>
               <p:ext uri="{D42A27DB-BD31-4B8C-83A1-F6EECF244321}">
-                <p14:modId xmlns:p14="http://schemas.microsoft.com/office/powerpoint/2010/main" val="4161709434"/>
+                <p14:modId xmlns:p14="http://schemas.microsoft.com/office/powerpoint/2010/main" val="3753993616"/>
               </p:ext>
             </p:extLst>
           </p:nvPr>
         </p:nvGraphicFramePr>
         <p:xfrm>
-          <a:off x="705807" y="1296979"/>
+          <a:off x="705807" y="1215919"/>
           <a:ext cx="10281183" cy="5418667"/>
         </p:xfrm>
         <a:graphic>
           <a:graphicData uri="http://schemas.openxmlformats.org/drawingml/2006/diagram">
-            <dgm:relIds xmlns:dgm="http://schemas.openxmlformats.org/drawingml/2006/diagram" xmlns:r="http://schemas.openxmlformats.org/officeDocument/2006/relationships" r:dm="rId2" r:lo="rId3" r:qs="rId4" r:cs="rId5"/>
+            <dgm:relIds xmlns:dgm="http://schemas.openxmlformats.org/drawingml/2006/diagram" xmlns:r="http://schemas.openxmlformats.org/officeDocument/2006/relationships" r:dm="rId3" r:lo="rId4" r:qs="rId5" r:cs="rId6"/>
           </a:graphicData>
         </a:graphic>
       </p:graphicFrame>
@@ -37355,96 +37772,9 @@
   <p:timing>
     <p:tnLst>
       <p:par>
-        <p:cTn xmlns:p14="http://schemas.microsoft.com/office/powerpoint/2010/main" id="1" dur="indefinite" restart="never" nodeType="tmRoot">
-          <p:childTnLst>
-            <p:seq concurrent="1" nextAc="seek">
-              <p:cTn id="2" dur="indefinite" nodeType="mainSeq">
-                <p:childTnLst>
-                  <p:par>
-                    <p:cTn id="3" fill="hold">
-                      <p:stCondLst>
-                        <p:cond delay="indefinite"/>
-                      </p:stCondLst>
-                      <p:childTnLst>
-                        <p:par>
-                          <p:cTn id="4" fill="hold">
-                            <p:stCondLst>
-                              <p:cond delay="0"/>
-                            </p:stCondLst>
-                            <p:childTnLst>
-                              <p:par>
-                                <p:cTn id="5" presetID="10" presetClass="entr" presetSubtype="0" fill="hold" grpId="0" nodeType="clickEffect">
-                                  <p:stCondLst>
-                                    <p:cond delay="0"/>
-                                  </p:stCondLst>
-                                  <p:childTnLst>
-                                    <p:set>
-                                      <p:cBhvr>
-                                        <p:cTn id="6" dur="1" fill="hold">
-                                          <p:stCondLst>
-                                            <p:cond delay="0"/>
-                                          </p:stCondLst>
-                                        </p:cTn>
-                                        <p:tgtEl>
-                                          <p:spTgt spid="3">
-                                            <p:txEl>
-                                              <p:pRg st="3" end="3"/>
-                                            </p:txEl>
-                                          </p:spTgt>
-                                        </p:tgtEl>
-                                        <p:attrNameLst>
-                                          <p:attrName>style.visibility</p:attrName>
-                                        </p:attrNameLst>
-                                      </p:cBhvr>
-                                      <p:to>
-                                        <p:strVal val="visible"/>
-                                      </p:to>
-                                    </p:set>
-                                    <p:animEffect transition="in" filter="fade">
-                                      <p:cBhvr>
-                                        <p:cTn id="7" dur="500"/>
-                                        <p:tgtEl>
-                                          <p:spTgt spid="3">
-                                            <p:txEl>
-                                              <p:pRg st="3" end="3"/>
-                                            </p:txEl>
-                                          </p:spTgt>
-                                        </p:tgtEl>
-                                      </p:cBhvr>
-                                    </p:animEffect>
-                                  </p:childTnLst>
-                                </p:cTn>
-                              </p:par>
-                            </p:childTnLst>
-                          </p:cTn>
-                        </p:par>
-                      </p:childTnLst>
-                    </p:cTn>
-                  </p:par>
-                </p:childTnLst>
-              </p:cTn>
-              <p:prevCondLst>
-                <p:cond evt="onPrev" delay="0">
-                  <p:tgtEl>
-                    <p:sldTgt/>
-                  </p:tgtEl>
-                </p:cond>
-              </p:prevCondLst>
-              <p:nextCondLst>
-                <p:cond evt="onNext" delay="0">
-                  <p:tgtEl>
-                    <p:sldTgt/>
-                  </p:tgtEl>
-                </p:cond>
-              </p:nextCondLst>
-            </p:seq>
-          </p:childTnLst>
-        </p:cTn>
+        <p:cTn xmlns:p14="http://schemas.microsoft.com/office/powerpoint/2010/main" id="1" dur="indefinite" restart="never" nodeType="tmRoot"/>
       </p:par>
     </p:tnLst>
-    <p:bldLst>
-      <p:bldP spid="3" grpId="0" uiExpand="1" build="p"/>
-    </p:bldLst>
   </p:timing>
 </p:sld>
 </file>
@@ -37490,9 +37820,12 @@
             </a:pPr>
             <a:r>
               <a:rPr lang="en-US" sz="2000" dirty="0"/>
-              <a:t>Identified &amp; developed the use case details </a:t>
-            </a:r>
-            <a:endParaRPr lang="en-US" sz="2000" dirty="0" smtClean="0"/>
+              <a:t>Identified &amp; developed the use case </a:t>
+            </a:r>
+            <a:r>
+              <a:rPr lang="en-US" sz="2000" dirty="0" smtClean="0"/>
+              <a:t>details*</a:t>
+            </a:r>
           </a:p>
           <a:p>
             <a:pPr marL="457189" indent="-457189">
@@ -37940,30 +38273,13 @@
                   <a:srgbClr val="3C3C3B"/>
                 </a:solidFill>
               </a:rPr>
-              <a:t>Detail</a:t>
-            </a:r>
-          </a:p>
-          <a:p>
-            <a:pPr algn="ctr"/>
-            <a:r>
-              <a:rPr lang="en-US" sz="1300" dirty="0">
-                <a:solidFill>
-                  <a:srgbClr val="3C3C3B"/>
-                </a:solidFill>
-              </a:rPr>
-              <a:t>Use Case</a:t>
-            </a:r>
-          </a:p>
-          <a:p>
-            <a:pPr algn="ctr"/>
-            <a:r>
-              <a:rPr lang="en-US" sz="1300" dirty="0">
-                <a:solidFill>
-                  <a:srgbClr val="3C3C3B"/>
-                </a:solidFill>
-              </a:rPr>
-              <a:t>1</a:t>
-            </a:r>
+              <a:t>Client interview </a:t>
+            </a:r>
+            <a:endParaRPr lang="en-US" sz="1300" dirty="0">
+              <a:solidFill>
+                <a:srgbClr val="3C3C3B"/>
+              </a:solidFill>
+            </a:endParaRPr>
           </a:p>
         </p:txBody>
       </p:sp>
@@ -38009,13 +38325,18 @@
           <a:p>
             <a:pPr algn="ctr"/>
             <a:r>
-              <a:rPr lang="en-US" sz="1300" dirty="0">
+              <a:rPr lang="en-US" sz="1300" dirty="0" smtClean="0">
                 <a:solidFill>
                   <a:srgbClr val="3C3C3B"/>
                 </a:solidFill>
               </a:rPr>
-              <a:t>Detail</a:t>
-            </a:r>
+              <a:t>Detailed</a:t>
+            </a:r>
+            <a:endParaRPr lang="en-US" sz="1300" dirty="0">
+              <a:solidFill>
+                <a:srgbClr val="3C3C3B"/>
+              </a:solidFill>
+            </a:endParaRPr>
           </a:p>
           <a:p>
             <a:pPr algn="ctr"/>
@@ -38030,14 +38351,11 @@
           </a:p>
           <a:p>
             <a:pPr algn="ctr"/>
-            <a:r>
-              <a:rPr lang="en-US" sz="1300" dirty="0">
-                <a:solidFill>
-                  <a:srgbClr val="3C3C3B"/>
-                </a:solidFill>
-              </a:rPr>
-              <a:t>2</a:t>
-            </a:r>
+            <a:endParaRPr lang="en-US" sz="1300" dirty="0">
+              <a:solidFill>
+                <a:srgbClr val="3C3C3B"/>
+              </a:solidFill>
+            </a:endParaRPr>
           </a:p>
         </p:txBody>
       </p:sp>
@@ -38196,26 +38514,13 @@
           <a:p>
             <a:pPr algn="ctr"/>
             <a:r>
-              <a:rPr lang="en-US" sz="1300" dirty="0">
-                <a:solidFill>
-                  <a:srgbClr val="3C3C3B"/>
-                </a:solidFill>
-              </a:rPr>
-              <a:t> Big Data </a:t>
-            </a:r>
-            <a:r>
               <a:rPr lang="en-US" sz="1300" dirty="0" smtClean="0">
                 <a:solidFill>
                   <a:srgbClr val="3C3C3B"/>
                 </a:solidFill>
               </a:rPr>
-              <a:t>Discovery</a:t>
-            </a:r>
-            <a:endParaRPr lang="en-US" sz="1300" dirty="0">
-              <a:solidFill>
-                <a:srgbClr val="3C3C3B"/>
-              </a:solidFill>
-            </a:endParaRPr>
+              <a:t>Business Problem</a:t>
+            </a:r>
           </a:p>
         </p:txBody>
       </p:sp>
@@ -38296,6 +38601,130 @@
               <a:t>© 2015 Teradata, The Culture Of Analytics</a:t>
             </a:r>
             <a:endParaRPr lang="en-US" dirty="0"/>
+          </a:p>
+        </p:txBody>
+      </p:sp>
+      <p:sp>
+        <p:nvSpPr>
+          <p:cNvPr id="3" name="TextBox 2"/>
+          <p:cNvSpPr txBox="1"/>
+          <p:nvPr/>
+        </p:nvSpPr>
+        <p:spPr>
+          <a:xfrm>
+            <a:off x="5573017" y="5772048"/>
+            <a:ext cx="6009383" cy="722762"/>
+          </a:xfrm>
+          <a:prstGeom prst="rect">
+            <a:avLst/>
+          </a:prstGeom>
+          <a:noFill/>
+        </p:spPr>
+        <p:txBody>
+          <a:bodyPr wrap="square" rtlCol="0">
+            <a:spAutoFit/>
+          </a:bodyPr>
+          <a:lstStyle/>
+          <a:p>
+            <a:pPr>
+              <a:lnSpc>
+                <a:spcPct val="95000"/>
+              </a:lnSpc>
+              <a:spcBef>
+                <a:spcPts val="400"/>
+              </a:spcBef>
+            </a:pPr>
+            <a:r>
+              <a:rPr lang="en-US" sz="1200" dirty="0" smtClean="0">
+                <a:solidFill>
+                  <a:srgbClr val="231F20"/>
+                </a:solidFill>
+              </a:rPr>
+              <a:t>*Based on interview with : </a:t>
+            </a:r>
+            <a:r>
+              <a:rPr lang="en-US" sz="1200" dirty="0" smtClean="0">
+                <a:solidFill>
+                  <a:srgbClr val="231F20"/>
+                </a:solidFill>
+              </a:rPr>
+              <a:t>CEO : Phil, </a:t>
+            </a:r>
+            <a:r>
+              <a:rPr lang="en-US" sz="1200" dirty="0">
+                <a:solidFill>
+                  <a:srgbClr val="231F20"/>
+                </a:solidFill>
+              </a:rPr>
+              <a:t> </a:t>
+            </a:r>
+            <a:r>
+              <a:rPr lang="en-US" sz="1200" dirty="0" smtClean="0">
+                <a:solidFill>
+                  <a:srgbClr val="231F20"/>
+                </a:solidFill>
+              </a:rPr>
+              <a:t>COO : </a:t>
+            </a:r>
+            <a:r>
+              <a:rPr lang="en-US" sz="1200" dirty="0" err="1" smtClean="0">
+                <a:solidFill>
+                  <a:srgbClr val="231F20"/>
+                </a:solidFill>
+              </a:rPr>
+              <a:t>Clif</a:t>
+            </a:r>
+            <a:r>
+              <a:rPr lang="en-US" sz="1200" dirty="0" smtClean="0">
+                <a:solidFill>
+                  <a:srgbClr val="231F20"/>
+                </a:solidFill>
+              </a:rPr>
+              <a:t> , </a:t>
+            </a:r>
+            <a:r>
+              <a:rPr lang="en-US" sz="1200" dirty="0" smtClean="0">
+                <a:solidFill>
+                  <a:srgbClr val="231F20"/>
+                </a:solidFill>
+              </a:rPr>
+              <a:t>CTO: Sheldon</a:t>
+            </a:r>
+            <a:endParaRPr lang="en-US" sz="1200" dirty="0" smtClean="0">
+              <a:solidFill>
+                <a:srgbClr val="231F20"/>
+              </a:solidFill>
+            </a:endParaRPr>
+          </a:p>
+          <a:p>
+            <a:pPr>
+              <a:lnSpc>
+                <a:spcPct val="95000"/>
+              </a:lnSpc>
+              <a:spcBef>
+                <a:spcPts val="400"/>
+              </a:spcBef>
+            </a:pPr>
+            <a:endParaRPr lang="en-US" sz="1200" dirty="0" smtClean="0">
+              <a:solidFill>
+                <a:srgbClr val="231F20"/>
+              </a:solidFill>
+            </a:endParaRPr>
+          </a:p>
+          <a:p>
+            <a:pPr>
+              <a:lnSpc>
+                <a:spcPct val="95000"/>
+              </a:lnSpc>
+              <a:spcBef>
+                <a:spcPts val="400"/>
+              </a:spcBef>
+            </a:pPr>
+            <a:endParaRPr lang="en-US" sz="1200" dirty="0" smtClean="0">
+              <a:solidFill>
+                <a:srgbClr val="231F20"/>
+              </a:solidFill>
+            </a:endParaRPr>
           </a:p>
         </p:txBody>
       </p:sp>
@@ -38470,7 +38899,7 @@
             <p:ph idx="1"/>
             <p:extLst>
               <p:ext uri="{D42A27DB-BD31-4B8C-83A1-F6EECF244321}">
-                <p14:modId xmlns:p14="http://schemas.microsoft.com/office/powerpoint/2010/main" val="4025381365"/>
+                <p14:modId xmlns:p14="http://schemas.microsoft.com/office/powerpoint/2010/main" val="3306254398"/>
               </p:ext>
             </p:extLst>
           </p:nvPr>
@@ -38554,7 +38983,15 @@
                       </a:pPr>
                       <a:r>
                         <a:rPr lang="en-GB" sz="1600" baseline="0" dirty="0" smtClean="0"/>
-                        <a:t>Currently lacks sufficient information as to which aircraft would be most beneficial to certify.</a:t>
+                        <a:t>Currently </a:t>
+                      </a:r>
+                      <a:r>
+                        <a:rPr lang="en-GB" sz="1600" baseline="0" dirty="0" smtClean="0"/>
+                        <a:t>they lack </a:t>
+                      </a:r>
+                      <a:r>
+                        <a:rPr lang="en-GB" sz="1600" baseline="0" dirty="0" smtClean="0"/>
+                        <a:t>sufficient information as to which aircraft would be most beneficial to certify.</a:t>
                       </a:r>
                     </a:p>
                     <a:p>
@@ -39238,7 +39675,7 @@
             <p:ph idx="1"/>
             <p:extLst>
               <p:ext uri="{D42A27DB-BD31-4B8C-83A1-F6EECF244321}">
-                <p14:modId xmlns:p14="http://schemas.microsoft.com/office/powerpoint/2010/main" val="2412614285"/>
+                <p14:modId xmlns:p14="http://schemas.microsoft.com/office/powerpoint/2010/main" val="4114347558"/>
               </p:ext>
             </p:extLst>
           </p:nvPr>
@@ -40006,7 +40443,17 @@
                           <a:effectLst/>
                           <a:latin typeface="Calibri"/>
                         </a:rPr>
-                        <a:t>-$80M</a:t>
+                        <a:t>-</a:t>
+                      </a:r>
+                      <a:r>
+                        <a:rPr lang="is-IS" sz="1800" b="1" i="0" u="none" strike="noStrike" dirty="0" smtClean="0">
+                          <a:solidFill>
+                            <a:srgbClr val="000000"/>
+                          </a:solidFill>
+                          <a:effectLst/>
+                          <a:latin typeface="Calibri"/>
+                        </a:rPr>
+                        <a:t>$2M</a:t>
                       </a:r>
                       <a:endParaRPr lang="is-IS" sz="1800" b="1" i="0" u="none" strike="noStrike" dirty="0">
                         <a:solidFill>
@@ -40081,7 +40528,7 @@
                           <a:effectLst/>
                           <a:latin typeface="Calibri"/>
                         </a:rPr>
-                        <a:t>$40M</a:t>
+                        <a:t>$138M</a:t>
                       </a:r>
                       <a:endParaRPr lang="is-IS" sz="1800" b="1" i="0" u="none" strike="noStrike" dirty="0">
                         <a:solidFill>
@@ -40216,6 +40663,51 @@
           </a:p>
         </p:txBody>
       </p:sp>
+      <p:sp>
+        <p:nvSpPr>
+          <p:cNvPr id="6" name="Rounded Rectangle 5"/>
+          <p:cNvSpPr/>
+          <p:nvPr/>
+        </p:nvSpPr>
+        <p:spPr>
+          <a:xfrm>
+            <a:off x="783638" y="4161072"/>
+            <a:ext cx="5653025" cy="486359"/>
+          </a:xfrm>
+          <a:prstGeom prst="roundRect">
+            <a:avLst/>
+          </a:prstGeom>
+          <a:solidFill>
+            <a:srgbClr val="FFFF00">
+              <a:alpha val="36000"/>
+            </a:srgbClr>
+          </a:solidFill>
+          <a:ln w="9525">
+            <a:noFill/>
+            <a:miter lim="800000"/>
+            <a:headEnd/>
+            <a:tailEnd/>
+          </a:ln>
+          <a:effectLst/>
+        </p:spPr>
+        <p:txBody>
+          <a:bodyPr wrap="square" tIns="91440" bIns="91440" rtlCol="0" anchor="t">
+            <a:prstTxWarp prst="textNoShape">
+              <a:avLst/>
+            </a:prstTxWarp>
+            <a:noAutofit/>
+          </a:bodyPr>
+          <a:lstStyle/>
+          <a:p>
+            <a:pPr algn="ctr"/>
+            <a:endParaRPr lang="en-US" kern="0" dirty="0" err="1" smtClean="0">
+              <a:solidFill>
+                <a:prstClr val="white"/>
+              </a:solidFill>
+            </a:endParaRPr>
+          </a:p>
+        </p:txBody>
+      </p:sp>
     </p:spTree>
     <p:extLst>
       <p:ext uri="{BB962C8B-B14F-4D97-AF65-F5344CB8AC3E}">
@@ -40301,6 +40793,13 @@
   <p:transition xmlns:p14="http://schemas.microsoft.com/office/powerpoint/2010/main" spd="med">
     <p:fade/>
   </p:transition>
+  <p:timing>
+    <p:tnLst>
+      <p:par>
+        <p:cTn xmlns:p14="http://schemas.microsoft.com/office/powerpoint/2010/main" id="1" dur="indefinite" restart="never" nodeType="tmRoot"/>
+      </p:par>
+    </p:tnLst>
+  </p:timing>
 </p:sld>
 </file>
 
@@ -40369,7 +40868,7 @@
             <p:ph idx="1"/>
             <p:extLst>
               <p:ext uri="{D42A27DB-BD31-4B8C-83A1-F6EECF244321}">
-                <p14:modId xmlns:p14="http://schemas.microsoft.com/office/powerpoint/2010/main" val="4012775644"/>
+                <p14:modId xmlns:p14="http://schemas.microsoft.com/office/powerpoint/2010/main" val="556559901"/>
               </p:ext>
             </p:extLst>
           </p:nvPr>
@@ -40495,15 +40994,23 @@
                       </a:r>
                       <a:r>
                         <a:rPr lang="en-GB" sz="1600" baseline="0" dirty="0" smtClean="0"/>
-                        <a:t> offers flight delay prediction-as-a-service(</a:t>
+                        <a:t> offers flight delay </a:t>
                       </a:r>
                       <a:r>
-                        <a:rPr lang="en-GB" sz="1600" baseline="0" dirty="0" err="1" smtClean="0"/>
+                        <a:rPr lang="en-GB" sz="1600" b="1" baseline="0" dirty="0" smtClean="0"/>
+                        <a:t>prediction-as-a-service(</a:t>
+                      </a:r>
+                      <a:r>
+                        <a:rPr lang="en-GB" sz="1600" b="1" baseline="0" dirty="0" err="1" smtClean="0"/>
                         <a:t>PaaS</a:t>
                       </a:r>
                       <a:r>
+                        <a:rPr lang="en-GB" sz="1600" b="1" baseline="0" dirty="0" smtClean="0"/>
+                        <a:t>) </a:t>
+                      </a:r>
+                      <a:r>
                         <a:rPr lang="en-GB" sz="1600" baseline="0" dirty="0" smtClean="0"/>
-                        <a:t>) potentially contributing to a new revenue stream.</a:t>
+                        <a:t>potentially contributing to a new revenue stream.</a:t>
                       </a:r>
                     </a:p>
                   </a:txBody>

--- a/Fly Big/Roadmap.pptx
+++ b/Fly Big/Roadmap.pptx
@@ -232,11 +232,11 @@
           <c:showBubbleSize val="0"/>
         </c:dLbls>
         <c:gapWidth val="150"/>
-        <c:axId val="-1002707400"/>
-        <c:axId val="-978069496"/>
+        <c:axId val="-881706360"/>
+        <c:axId val="-881553736"/>
       </c:barChart>
       <c:catAx>
-        <c:axId val="-1002707400"/>
+        <c:axId val="-881706360"/>
         <c:scaling>
           <c:orientation val="minMax"/>
         </c:scaling>
@@ -246,7 +246,7 @@
         <c:majorTickMark val="out"/>
         <c:minorTickMark val="none"/>
         <c:tickLblPos val="none"/>
-        <c:crossAx val="-978069496"/>
+        <c:crossAx val="-881553736"/>
         <c:crosses val="autoZero"/>
         <c:auto val="1"/>
         <c:lblAlgn val="ctr"/>
@@ -254,7 +254,7 @@
         <c:noMultiLvlLbl val="0"/>
       </c:catAx>
       <c:valAx>
-        <c:axId val="-978069496"/>
+        <c:axId val="-881553736"/>
         <c:scaling>
           <c:orientation val="minMax"/>
         </c:scaling>
@@ -264,7 +264,7 @@
         <c:majorTickMark val="none"/>
         <c:minorTickMark val="none"/>
         <c:tickLblPos val="none"/>
-        <c:crossAx val="-1002707400"/>
+        <c:crossAx val="-881706360"/>
         <c:crosses val="autoZero"/>
         <c:crossBetween val="between"/>
       </c:valAx>
@@ -402,11 +402,11 @@
           <c:showBubbleSize val="0"/>
         </c:dLbls>
         <c:gapWidth val="150"/>
-        <c:axId val="-2106299208"/>
-        <c:axId val="-2050118568"/>
+        <c:axId val="-2113259672"/>
+        <c:axId val="-2113256696"/>
       </c:barChart>
       <c:catAx>
-        <c:axId val="-2106299208"/>
+        <c:axId val="-2113259672"/>
         <c:scaling>
           <c:orientation val="minMax"/>
         </c:scaling>
@@ -416,7 +416,7 @@
         <c:majorTickMark val="none"/>
         <c:minorTickMark val="none"/>
         <c:tickLblPos val="none"/>
-        <c:crossAx val="-2050118568"/>
+        <c:crossAx val="-2113256696"/>
         <c:crosses val="autoZero"/>
         <c:auto val="1"/>
         <c:lblAlgn val="ctr"/>
@@ -424,7 +424,7 @@
         <c:noMultiLvlLbl val="0"/>
       </c:catAx>
       <c:valAx>
-        <c:axId val="-2050118568"/>
+        <c:axId val="-2113256696"/>
         <c:scaling>
           <c:orientation val="minMax"/>
         </c:scaling>
@@ -434,7 +434,7 @@
         <c:majorTickMark val="none"/>
         <c:minorTickMark val="none"/>
         <c:tickLblPos val="none"/>
-        <c:crossAx val="-2106299208"/>
+        <c:crossAx val="-2113259672"/>
         <c:crosses val="autoZero"/>
         <c:crossBetween val="between"/>
       </c:valAx>
@@ -2509,8 +2509,8 @@
   </dgm:ptLst>
   <dgm:cxnLst>
     <dgm:cxn modelId="{29FC19EA-0182-314F-827F-8DD4EEB96A77}" srcId="{F2350DE8-4D59-F04D-96D4-E06656758EC4}" destId="{B9247492-9519-8348-A30B-D4A6EF5ED2A5}" srcOrd="5" destOrd="0" parTransId="{0C78D696-A3A1-9D45-AF56-062E2FDD3155}" sibTransId="{EC4F1F8D-E62E-6549-9402-28C4C2A5BBDA}"/>
+    <dgm:cxn modelId="{8CEAFE09-328A-634D-9F18-09BDBE52EF1A}" srcId="{F2350DE8-4D59-F04D-96D4-E06656758EC4}" destId="{07BB538F-AD5F-BC40-BC91-7B0B5ED14066}" srcOrd="3" destOrd="0" parTransId="{985F475F-E185-3946-93ED-04875B39349A}" sibTransId="{EC6ABE8D-3DAB-1747-B9F4-D07A74CBFE0E}"/>
     <dgm:cxn modelId="{CDE339A3-DED5-174B-9B24-C4F27ADE854A}" srcId="{F2350DE8-4D59-F04D-96D4-E06656758EC4}" destId="{D2E6C1A2-7567-664D-B784-1D2F829187A9}" srcOrd="0" destOrd="0" parTransId="{1BEF6ED7-D7CB-5E4C-A77C-1B7AD9392C78}" sibTransId="{A9784921-78A1-5D4C-AF18-267DC24824FC}"/>
-    <dgm:cxn modelId="{8CEAFE09-328A-634D-9F18-09BDBE52EF1A}" srcId="{F2350DE8-4D59-F04D-96D4-E06656758EC4}" destId="{07BB538F-AD5F-BC40-BC91-7B0B5ED14066}" srcOrd="3" destOrd="0" parTransId="{985F475F-E185-3946-93ED-04875B39349A}" sibTransId="{EC6ABE8D-3DAB-1747-B9F4-D07A74CBFE0E}"/>
     <dgm:cxn modelId="{A3AC5B20-DEE8-1748-8705-ED9C29A3564B}" srcId="{F2350DE8-4D59-F04D-96D4-E06656758EC4}" destId="{075CCA1A-1799-C146-B361-957D6E7E452A}" srcOrd="2" destOrd="0" parTransId="{6D4EBF34-0397-B74F-914A-9582DC32F8B2}" sibTransId="{58DB63D0-572A-BF4F-9BC7-BBE7A259580E}"/>
     <dgm:cxn modelId="{46B7209F-9A6A-F74B-9CA2-51CB944A7DB0}" type="presOf" srcId="{07BB538F-AD5F-BC40-BC91-7B0B5ED14066}" destId="{A729C9D8-DFA3-7A4B-825C-D85E0DD1E96A}" srcOrd="0" destOrd="0" presId="urn:microsoft.com/office/officeart/2008/layout/VerticalCurvedList"/>
     <dgm:cxn modelId="{50F8C6E9-557F-8D45-BC18-04B7AE580AE7}" srcId="{F2350DE8-4D59-F04D-96D4-E06656758EC4}" destId="{F25A8F26-C358-1A43-B340-E6B92337D766}" srcOrd="4" destOrd="0" parTransId="{E5E6CE13-BF52-234B-BFA2-12F363D00349}" sibTransId="{90BEC758-8A92-C244-93E4-3DADD59F7ADA}"/>
@@ -8664,17 +8664,12 @@
             </a:r>
             <a:r>
               <a:rPr lang="en-US" sz="2400" baseline="0" dirty="0" err="1" smtClean="0"/>
-              <a:t>Skynet</a:t>
-            </a:r>
-            <a:r>
-              <a:rPr lang="en-US" sz="2400" baseline="0" dirty="0" err="1" smtClean="0"/>
-              <a:t>’s</a:t>
+              <a:t>Skynet’s</a:t>
             </a:r>
             <a:r>
               <a:rPr lang="en-US" sz="2400" baseline="0" dirty="0" smtClean="0"/>
               <a:t> business and goals,</a:t>
             </a:r>
-            <a:endParaRPr lang="en-US" sz="2400" baseline="0" dirty="0" smtClean="0"/>
           </a:p>
           <a:p>
             <a:endParaRPr lang="en-US" sz="2400" baseline="0" dirty="0" smtClean="0"/>
@@ -9091,17 +9086,8 @@
               <a:rPr lang="en-GB" sz="1200" dirty="0" smtClean="0">
                 <a:latin typeface="Century Gothic" charset="0"/>
               </a:rPr>
-              <a:t>The </a:t>
-            </a:r>
-            <a:r>
-              <a:rPr lang="en-GB" sz="1200" dirty="0" smtClean="0">
-                <a:latin typeface="Century Gothic" charset="0"/>
-              </a:rPr>
-              <a:t>FAA published Federal flight regulation in  2010 requiring all airspace to have an  Automatic Dependent Surveillance – Broadcast (ADS-B). </a:t>
-            </a:r>
-            <a:endParaRPr lang="en-GB" sz="1200" dirty="0" smtClean="0">
-              <a:latin typeface="Century Gothic" charset="0"/>
-            </a:endParaRPr>
+              <a:t>The FAA published Federal flight regulation in  2010 requiring all airspace to have an  Automatic Dependent Surveillance – Broadcast (ADS-B). </a:t>
+            </a:r>
           </a:p>
           <a:p>
             <a:pPr marL="0" marR="0" indent="0" algn="l" defTabSz="914377" rtl="0" eaLnBrk="1" fontAlgn="auto" latinLnBrk="0" hangingPunct="1">
@@ -9362,16 +9348,33 @@
             </a:pPr>
             <a:r>
               <a:rPr lang="en-US" sz="2400" dirty="0" smtClean="0"/>
-              <a:t>Tried to understand the </a:t>
+              <a:t>Learnt about</a:t>
+            </a:r>
+            <a:r>
+              <a:rPr lang="en-US" sz="2400" baseline="0" dirty="0" smtClean="0"/>
+              <a:t> </a:t>
+            </a:r>
+            <a:r>
+              <a:rPr lang="en-US" sz="2400" dirty="0" smtClean="0"/>
+              <a:t>the </a:t>
             </a:r>
             <a:r>
               <a:rPr lang="en-US" sz="2400" dirty="0" err="1" smtClean="0"/>
-              <a:t>busines</a:t>
+              <a:t>Skynet</a:t>
+            </a:r>
+            <a:r>
+              <a:rPr lang="en-US" sz="2400" smtClean="0"/>
+              <a:t> business</a:t>
             </a:r>
             <a:r>
               <a:rPr lang="en-US" sz="2400" dirty="0" smtClean="0"/>
-              <a:t> problem </a:t>
-            </a:r>
+              <a:t>,</a:t>
+            </a:r>
+            <a:r>
+              <a:rPr lang="en-US" sz="2400" baseline="0" dirty="0" smtClean="0"/>
+              <a:t> challenges and future goals</a:t>
+            </a:r>
+            <a:endParaRPr lang="en-US" sz="2400" dirty="0" smtClean="0"/>
           </a:p>
           <a:p>
             <a:pPr marL="457189" indent="-457189">
@@ -9960,11 +9963,7 @@
             </a:r>
             <a:r>
               <a:rPr lang="en-GB" sz="1200" baseline="0" dirty="0" smtClean="0"/>
-              <a:t> </a:t>
-            </a:r>
-            <a:r>
-              <a:rPr lang="en-GB" sz="1200" baseline="0" dirty="0" smtClean="0"/>
-              <a:t>to the US FAA mandate, it is required to certify aircrafts with ADS-B transponders for each civil aircraft by 2020. </a:t>
+              <a:t> to the US FAA mandate, it is required to certify aircrafts with ADS-B transponders for each civil aircraft by 2020. </a:t>
             </a:r>
           </a:p>
           <a:p>
@@ -33369,6 +33368,51 @@
           </p:txBody>
         </p:sp>
       </p:grpSp>
+      <p:sp>
+        <p:nvSpPr>
+          <p:cNvPr id="8" name="Rounded Rectangle 7"/>
+          <p:cNvSpPr/>
+          <p:nvPr/>
+        </p:nvSpPr>
+        <p:spPr>
+          <a:xfrm>
+            <a:off x="404563" y="4675693"/>
+            <a:ext cx="5653025" cy="486359"/>
+          </a:xfrm>
+          <a:prstGeom prst="roundRect">
+            <a:avLst/>
+          </a:prstGeom>
+          <a:solidFill>
+            <a:srgbClr val="FFFF00">
+              <a:alpha val="36000"/>
+            </a:srgbClr>
+          </a:solidFill>
+          <a:ln w="9525">
+            <a:noFill/>
+            <a:miter lim="800000"/>
+            <a:headEnd/>
+            <a:tailEnd/>
+          </a:ln>
+          <a:effectLst/>
+        </p:spPr>
+        <p:txBody>
+          <a:bodyPr wrap="square" tIns="91440" bIns="91440" rtlCol="0" anchor="t">
+            <a:prstTxWarp prst="textNoShape">
+              <a:avLst/>
+            </a:prstTxWarp>
+            <a:noAutofit/>
+          </a:bodyPr>
+          <a:lstStyle/>
+          <a:p>
+            <a:pPr algn="ctr"/>
+            <a:endParaRPr lang="en-US" kern="0" dirty="0" err="1" smtClean="0">
+              <a:solidFill>
+                <a:prstClr val="white"/>
+              </a:solidFill>
+            </a:endParaRPr>
+          </a:p>
+        </p:txBody>
+      </p:sp>
     </p:spTree>
     <p:extLst>
       <p:ext uri="{BB962C8B-B14F-4D97-AF65-F5344CB8AC3E}">
@@ -37728,19 +37772,7 @@
               <a:rPr lang="en-GB" sz="2000" dirty="0" smtClean="0">
                 <a:latin typeface="Century Gothic" charset="0"/>
               </a:rPr>
-              <a:t>&amp; </a:t>
-            </a:r>
-            <a:r>
-              <a:rPr lang="en-GB" sz="2000" dirty="0" smtClean="0">
-                <a:latin typeface="Century Gothic" charset="0"/>
-              </a:rPr>
-              <a:t>boost </a:t>
-            </a:r>
-            <a:r>
-              <a:rPr lang="en-GB" sz="2000" dirty="0" smtClean="0">
-                <a:latin typeface="Century Gothic" charset="0"/>
-              </a:rPr>
-              <a:t>revenue by reducing operational costs &amp; identify new revenue streams.</a:t>
+              <a:t>&amp; boost revenue by reducing operational costs &amp; identify new revenue streams.</a:t>
             </a:r>
             <a:endParaRPr lang="en-GB" sz="2000" dirty="0">
               <a:latin typeface="Century Gothic" charset="0"/>
@@ -38275,11 +38307,6 @@
               </a:rPr>
               <a:t>Client interview </a:t>
             </a:r>
-            <a:endParaRPr lang="en-US" sz="1300" dirty="0">
-              <a:solidFill>
-                <a:srgbClr val="3C3C3B"/>
-              </a:solidFill>
-            </a:endParaRPr>
           </a:p>
         </p:txBody>
       </p:sp>
@@ -38583,29 +38610,6 @@
       </p:sp>
       <p:sp>
         <p:nvSpPr>
-          <p:cNvPr id="2" name="Footer Placeholder 1"/>
-          <p:cNvSpPr>
-            <a:spLocks noGrp="1"/>
-          </p:cNvSpPr>
-          <p:nvPr>
-            <p:ph type="ftr" sz="quarter" idx="12"/>
-          </p:nvPr>
-        </p:nvSpPr>
-        <p:spPr/>
-        <p:txBody>
-          <a:bodyPr/>
-          <a:lstStyle/>
-          <a:p>
-            <a:r>
-              <a:rPr lang="en-US" smtClean="0"/>
-              <a:t>© 2015 Teradata, The Culture Of Analytics</a:t>
-            </a:r>
-            <a:endParaRPr lang="en-US" dirty="0"/>
-          </a:p>
-        </p:txBody>
-      </p:sp>
-      <p:sp>
-        <p:nvSpPr>
           <p:cNvPr id="3" name="TextBox 2"/>
           <p:cNvSpPr txBox="1"/>
           <p:nvPr/>
@@ -38640,15 +38644,7 @@
                   <a:srgbClr val="231F20"/>
                 </a:solidFill>
               </a:rPr>
-              <a:t>*Based on interview with : </a:t>
-            </a:r>
-            <a:r>
-              <a:rPr lang="en-US" sz="1200" dirty="0" smtClean="0">
-                <a:solidFill>
-                  <a:srgbClr val="231F20"/>
-                </a:solidFill>
-              </a:rPr>
-              <a:t>CEO : Phil, </a:t>
+              <a:t>*Based on interview with : CEO : Phil, </a:t>
             </a:r>
             <a:r>
               <a:rPr lang="en-US" sz="1200" dirty="0">
@@ -38680,21 +38676,8 @@
                   <a:srgbClr val="231F20"/>
                 </a:solidFill>
               </a:rPr>
-              <a:t> , </a:t>
-            </a:r>
-            <a:r>
-              <a:rPr lang="en-US" sz="1200" dirty="0" smtClean="0">
-                <a:solidFill>
-                  <a:srgbClr val="231F20"/>
-                </a:solidFill>
-              </a:rPr>
-              <a:t>CTO: Sheldon</a:t>
-            </a:r>
-            <a:endParaRPr lang="en-US" sz="1200" dirty="0" smtClean="0">
-              <a:solidFill>
-                <a:srgbClr val="231F20"/>
-              </a:solidFill>
-            </a:endParaRPr>
+              <a:t> , CTO: Sheldon</a:t>
+            </a:r>
           </a:p>
           <a:p>
             <a:pPr>
@@ -38983,15 +38966,7 @@
                       </a:pPr>
                       <a:r>
                         <a:rPr lang="en-GB" sz="1600" baseline="0" dirty="0" smtClean="0"/>
-                        <a:t>Currently </a:t>
-                      </a:r>
-                      <a:r>
-                        <a:rPr lang="en-GB" sz="1600" baseline="0" dirty="0" smtClean="0"/>
-                        <a:t>they lack </a:t>
-                      </a:r>
-                      <a:r>
-                        <a:rPr lang="en-GB" sz="1600" baseline="0" dirty="0" smtClean="0"/>
-                        <a:t>sufficient information as to which aircraft would be most beneficial to certify.</a:t>
+                        <a:t>Currently they lack sufficient information as to which aircraft would be most beneficial to certify.</a:t>
                       </a:r>
                     </a:p>
                     <a:p>
@@ -39655,11 +39630,7 @@
             </a:br>
             <a:r>
               <a:rPr lang="en-US" sz="2200" b="1" dirty="0" smtClean="0"/>
-              <a:t>Estimate ROI &amp; Business </a:t>
-            </a:r>
-            <a:r>
-              <a:rPr lang="en-US" sz="2200" b="1" dirty="0" smtClean="0"/>
-              <a:t>Value  </a:t>
+              <a:t>Estimate ROI &amp; Business Value  </a:t>
             </a:r>
             <a:endParaRPr lang="en-US" sz="2200" b="1" dirty="0"/>
           </a:p>
@@ -40443,17 +40414,7 @@
                           <a:effectLst/>
                           <a:latin typeface="Calibri"/>
                         </a:rPr>
-                        <a:t>-</a:t>
-                      </a:r>
-                      <a:r>
-                        <a:rPr lang="is-IS" sz="1800" b="1" i="0" u="none" strike="noStrike" dirty="0" smtClean="0">
-                          <a:solidFill>
-                            <a:srgbClr val="000000"/>
-                          </a:solidFill>
-                          <a:effectLst/>
-                          <a:latin typeface="Calibri"/>
-                        </a:rPr>
-                        <a:t>$2M</a:t>
+                        <a:t>-$2M</a:t>
                       </a:r>
                       <a:endParaRPr lang="is-IS" sz="1800" b="1" i="0" u="none" strike="noStrike" dirty="0">
                         <a:solidFill>
@@ -41328,17 +41289,8 @@
                       </a:pPr>
                       <a:r>
                         <a:rPr lang="en-GB" sz="1600" baseline="0" dirty="0" smtClean="0"/>
-                        <a:t>Detailed </a:t>
+                        <a:t>Detailed information about flight arrival/departures from each US airport from Bureau of Transportation Statistics </a:t>
                       </a:r>
-                      <a:r>
-                        <a:rPr lang="en-GB" sz="1600" baseline="0" dirty="0" smtClean="0"/>
-                        <a:t>information about flight arrival/departures from each US </a:t>
-                      </a:r>
-                      <a:r>
-                        <a:rPr lang="en-GB" sz="1600" baseline="0" dirty="0" smtClean="0"/>
-                        <a:t>airport from Bureau of Transportation Statistics </a:t>
-                      </a:r>
-                      <a:endParaRPr lang="en-GB" sz="1600" baseline="0" dirty="0" smtClean="0"/>
                     </a:p>
                     <a:p>
                       <a:pPr marL="285750" indent="-285750">
@@ -42337,7 +42289,7 @@
   <a:extraClrSchemeLst/>
   <a:extLst>
     <a:ext uri="{05A4C25C-085E-4340-85A3-A5531E510DB2}">
-      <thm15:themeFamily xmlns="" xmlns:thm15="http://schemas.microsoft.com/office/thememl/2012/main" name="Office Theme" id="{62F939B6-93AF-4DB8-9C6B-D6C7DFDC589F}" vid="{4A3C46E8-61CC-4603-A589-7422A47A8E4A}"/>
+      <thm15:themeFamily xmlns:thm15="http://schemas.microsoft.com/office/thememl/2012/main" xmlns="" name="Office Theme" id="{62F939B6-93AF-4DB8-9C6B-D6C7DFDC589F}" vid="{4A3C46E8-61CC-4603-A589-7422A47A8E4A}"/>
     </a:ext>
   </a:extLst>
 </a:theme>

--- a/Fly Big/Roadmap.pptx
+++ b/Fly Big/Roadmap.pptx
@@ -232,11 +232,11 @@
           <c:showBubbleSize val="0"/>
         </c:dLbls>
         <c:gapWidth val="150"/>
-        <c:axId val="-881706360"/>
-        <c:axId val="-881553736"/>
+        <c:axId val="2048569416"/>
+        <c:axId val="2048572392"/>
       </c:barChart>
       <c:catAx>
-        <c:axId val="-881706360"/>
+        <c:axId val="2048569416"/>
         <c:scaling>
           <c:orientation val="minMax"/>
         </c:scaling>
@@ -246,7 +246,7 @@
         <c:majorTickMark val="out"/>
         <c:minorTickMark val="none"/>
         <c:tickLblPos val="none"/>
-        <c:crossAx val="-881553736"/>
+        <c:crossAx val="2048572392"/>
         <c:crosses val="autoZero"/>
         <c:auto val="1"/>
         <c:lblAlgn val="ctr"/>
@@ -254,7 +254,7 @@
         <c:noMultiLvlLbl val="0"/>
       </c:catAx>
       <c:valAx>
-        <c:axId val="-881553736"/>
+        <c:axId val="2048572392"/>
         <c:scaling>
           <c:orientation val="minMax"/>
         </c:scaling>
@@ -264,7 +264,7 @@
         <c:majorTickMark val="none"/>
         <c:minorTickMark val="none"/>
         <c:tickLblPos val="none"/>
-        <c:crossAx val="-881706360"/>
+        <c:crossAx val="2048569416"/>
         <c:crosses val="autoZero"/>
         <c:crossBetween val="between"/>
       </c:valAx>
@@ -402,11 +402,11 @@
           <c:showBubbleSize val="0"/>
         </c:dLbls>
         <c:gapWidth val="150"/>
-        <c:axId val="-2113259672"/>
-        <c:axId val="-2113256696"/>
+        <c:axId val="-2134037640"/>
+        <c:axId val="-2134034664"/>
       </c:barChart>
       <c:catAx>
-        <c:axId val="-2113259672"/>
+        <c:axId val="-2134037640"/>
         <c:scaling>
           <c:orientation val="minMax"/>
         </c:scaling>
@@ -416,7 +416,7 @@
         <c:majorTickMark val="none"/>
         <c:minorTickMark val="none"/>
         <c:tickLblPos val="none"/>
-        <c:crossAx val="-2113256696"/>
+        <c:crossAx val="-2134034664"/>
         <c:crosses val="autoZero"/>
         <c:auto val="1"/>
         <c:lblAlgn val="ctr"/>
@@ -424,7 +424,7 @@
         <c:noMultiLvlLbl val="0"/>
       </c:catAx>
       <c:valAx>
-        <c:axId val="-2113256696"/>
+        <c:axId val="-2134034664"/>
         <c:scaling>
           <c:orientation val="minMax"/>
         </c:scaling>
@@ -434,7 +434,7 @@
         <c:majorTickMark val="none"/>
         <c:minorTickMark val="none"/>
         <c:tickLblPos val="none"/>
-        <c:crossAx val="-2113259672"/>
+        <c:crossAx val="-2134037640"/>
         <c:crosses val="autoZero"/>
         <c:crossBetween val="between"/>
       </c:valAx>
@@ -7972,7 +7972,7 @@
           <a:p>
             <a:fld id="{2994B88E-DA0F-2E4E-89BE-01C5D2782CC0}" type="datetimeFigureOut">
               <a:rPr lang="en-US" smtClean="0"/>
-              <a:t>17/03/17</a:t>
+              <a:t>17-03-17</a:t>
             </a:fld>
             <a:endParaRPr lang="en-US"/>
           </a:p>
@@ -16777,7 +16777,7 @@
           <a:p>
             <a:fld id="{7544BB65-0A15-CB44-AEED-14B85F6E48B7}" type="datetimeFigureOut">
               <a:rPr lang="en-US" smtClean="0"/>
-              <a:t>17/03/17</a:t>
+              <a:t>17-03-17</a:t>
             </a:fld>
             <a:endParaRPr lang="en-US"/>
           </a:p>
@@ -32614,12 +32614,17 @@
             </a:pPr>
             <a:r>
               <a:rPr lang="en-US" sz="2400" b="0" dirty="0"/>
-              <a:t>ROADMAP FOR </a:t>
-            </a:r>
-            <a:r>
-              <a:rPr lang="en-US" sz="2400" b="0" dirty="0" smtClean="0"/>
-              <a:t>SKYNET</a:t>
-            </a:r>
+              <a:t>ROADMAP </a:t>
+            </a:r>
+            <a:r>
+              <a:rPr lang="en-US" sz="2400" b="0"/>
+              <a:t>FOR </a:t>
+            </a:r>
+            <a:r>
+              <a:rPr lang="en-US" sz="2400" b="0" smtClean="0"/>
+              <a:t>SKYNET </a:t>
+            </a:r>
+            <a:endParaRPr lang="en-US" sz="2400" b="0" dirty="0" smtClean="0"/>
           </a:p>
           <a:p>
             <a:pPr algn="ctr">
@@ -42289,7 +42294,7 @@
   <a:extraClrSchemeLst/>
   <a:extLst>
     <a:ext uri="{05A4C25C-085E-4340-85A3-A5531E510DB2}">
-      <thm15:themeFamily xmlns:thm15="http://schemas.microsoft.com/office/thememl/2012/main" xmlns="" name="Office Theme" id="{62F939B6-93AF-4DB8-9C6B-D6C7DFDC589F}" vid="{4A3C46E8-61CC-4603-A589-7422A47A8E4A}"/>
+      <thm15:themeFamily xmlns="" xmlns:thm15="http://schemas.microsoft.com/office/thememl/2012/main" name="Office Theme" id="{62F939B6-93AF-4DB8-9C6B-D6C7DFDC589F}" vid="{4A3C46E8-61CC-4603-A589-7422A47A8E4A}"/>
     </a:ext>
   </a:extLst>
 </a:theme>
